--- a/Docs/User's Guide/Imagery/ControlVolumes.pptx
+++ b/Docs/User's Guide/Imagery/ControlVolumes.pptx
@@ -8,6 +8,7 @@
     <p:sldId id="256" r:id="rId2"/>
     <p:sldId id="257" r:id="rId3"/>
     <p:sldId id="258" r:id="rId4"/>
+    <p:sldId id="259" r:id="rId5"/>
   </p:sldIdLst>
   <p:sldSz cx="12192000" cy="6858000"/>
   <p:notesSz cx="6858000" cy="9144000"/>
@@ -106,6 +107,11 @@
       </a:defRPr>
     </a:lvl9pPr>
   </p:defaultTextStyle>
+  <p:extLst>
+    <p:ext uri="{EFAFB233-063F-42B5-8137-9DF3F51BA10A}">
+      <p15:sldGuideLst xmlns:p15="http://schemas.microsoft.com/office/powerpoint/2012/main"/>
+    </p:ext>
+  </p:extLst>
 </p:presentation>
 </file>
 
@@ -258,7 +264,7 @@
           <a:p>
             <a:fld id="{1B08E6F8-9D6F-4EBE-9FFB-F648F4EEF569}" type="datetimeFigureOut">
               <a:rPr lang="en-CA" smtClean="0"/>
-              <a:t>2024-09-13</a:t>
+              <a:t>2024-10-30</a:t>
             </a:fld>
             <a:endParaRPr lang="en-CA"/>
           </a:p>
@@ -458,7 +464,7 @@
           <a:p>
             <a:fld id="{1B08E6F8-9D6F-4EBE-9FFB-F648F4EEF569}" type="datetimeFigureOut">
               <a:rPr lang="en-CA" smtClean="0"/>
-              <a:t>2024-09-13</a:t>
+              <a:t>2024-10-30</a:t>
             </a:fld>
             <a:endParaRPr lang="en-CA"/>
           </a:p>
@@ -668,7 +674,7 @@
           <a:p>
             <a:fld id="{1B08E6F8-9D6F-4EBE-9FFB-F648F4EEF569}" type="datetimeFigureOut">
               <a:rPr lang="en-CA" smtClean="0"/>
-              <a:t>2024-09-13</a:t>
+              <a:t>2024-10-30</a:t>
             </a:fld>
             <a:endParaRPr lang="en-CA"/>
           </a:p>
@@ -868,7 +874,7 @@
           <a:p>
             <a:fld id="{1B08E6F8-9D6F-4EBE-9FFB-F648F4EEF569}" type="datetimeFigureOut">
               <a:rPr lang="en-CA" smtClean="0"/>
-              <a:t>2024-09-13</a:t>
+              <a:t>2024-10-30</a:t>
             </a:fld>
             <a:endParaRPr lang="en-CA"/>
           </a:p>
@@ -1144,7 +1150,7 @@
           <a:p>
             <a:fld id="{1B08E6F8-9D6F-4EBE-9FFB-F648F4EEF569}" type="datetimeFigureOut">
               <a:rPr lang="en-CA" smtClean="0"/>
-              <a:t>2024-09-13</a:t>
+              <a:t>2024-10-30</a:t>
             </a:fld>
             <a:endParaRPr lang="en-CA"/>
           </a:p>
@@ -1412,7 +1418,7 @@
           <a:p>
             <a:fld id="{1B08E6F8-9D6F-4EBE-9FFB-F648F4EEF569}" type="datetimeFigureOut">
               <a:rPr lang="en-CA" smtClean="0"/>
-              <a:t>2024-09-13</a:t>
+              <a:t>2024-10-30</a:t>
             </a:fld>
             <a:endParaRPr lang="en-CA"/>
           </a:p>
@@ -1827,7 +1833,7 @@
           <a:p>
             <a:fld id="{1B08E6F8-9D6F-4EBE-9FFB-F648F4EEF569}" type="datetimeFigureOut">
               <a:rPr lang="en-CA" smtClean="0"/>
-              <a:t>2024-09-13</a:t>
+              <a:t>2024-10-30</a:t>
             </a:fld>
             <a:endParaRPr lang="en-CA"/>
           </a:p>
@@ -1969,7 +1975,7 @@
           <a:p>
             <a:fld id="{1B08E6F8-9D6F-4EBE-9FFB-F648F4EEF569}" type="datetimeFigureOut">
               <a:rPr lang="en-CA" smtClean="0"/>
-              <a:t>2024-09-13</a:t>
+              <a:t>2024-10-30</a:t>
             </a:fld>
             <a:endParaRPr lang="en-CA"/>
           </a:p>
@@ -2082,7 +2088,7 @@
           <a:p>
             <a:fld id="{1B08E6F8-9D6F-4EBE-9FFB-F648F4EEF569}" type="datetimeFigureOut">
               <a:rPr lang="en-CA" smtClean="0"/>
-              <a:t>2024-09-13</a:t>
+              <a:t>2024-10-30</a:t>
             </a:fld>
             <a:endParaRPr lang="en-CA"/>
           </a:p>
@@ -2395,7 +2401,7 @@
           <a:p>
             <a:fld id="{1B08E6F8-9D6F-4EBE-9FFB-F648F4EEF569}" type="datetimeFigureOut">
               <a:rPr lang="en-CA" smtClean="0"/>
-              <a:t>2024-09-13</a:t>
+              <a:t>2024-10-30</a:t>
             </a:fld>
             <a:endParaRPr lang="en-CA"/>
           </a:p>
@@ -2684,7 +2690,7 @@
           <a:p>
             <a:fld id="{1B08E6F8-9D6F-4EBE-9FFB-F648F4EEF569}" type="datetimeFigureOut">
               <a:rPr lang="en-CA" smtClean="0"/>
-              <a:t>2024-09-13</a:t>
+              <a:t>2024-10-30</a:t>
             </a:fld>
             <a:endParaRPr lang="en-CA"/>
           </a:p>
@@ -2927,7 +2933,7 @@
           <a:p>
             <a:fld id="{1B08E6F8-9D6F-4EBE-9FFB-F648F4EEF569}" type="datetimeFigureOut">
               <a:rPr lang="en-CA" smtClean="0"/>
-              <a:t>2024-09-13</a:t>
+              <a:t>2024-10-30</a:t>
             </a:fld>
             <a:endParaRPr lang="en-CA"/>
           </a:p>
@@ -3498,10 +3504,921 @@
           <a:chExt cx="0" cy="0"/>
         </a:xfrm>
       </p:grpSpPr>
+      <p:pic>
+        <p:nvPicPr>
+          <p:cNvPr id="2" name="Picture 1">
+            <a:extLst>
+              <a:ext uri="{FF2B5EF4-FFF2-40B4-BE49-F238E27FC236}">
+                <a16:creationId xmlns:a16="http://schemas.microsoft.com/office/drawing/2014/main" id="{3B52245F-270E-136F-966C-D7B5CA2C257B}"/>
+              </a:ext>
+            </a:extLst>
+          </p:cNvPr>
+          <p:cNvPicPr>
+            <a:picLocks noChangeAspect="1"/>
+          </p:cNvPicPr>
+          <p:nvPr/>
+        </p:nvPicPr>
+        <p:blipFill>
+          <a:blip r:embed="rId2"/>
+          <a:srcRect l="11863" t="30280" r="61169" b="27257"/>
+          <a:stretch/>
+        </p:blipFill>
+        <p:spPr>
+          <a:xfrm>
+            <a:off x="1661975" y="547176"/>
+            <a:ext cx="6035041" cy="5196385"/>
+          </a:xfrm>
+          <a:prstGeom prst="rect">
+            <a:avLst/>
+          </a:prstGeom>
+        </p:spPr>
+      </p:pic>
+      <p:sp>
+        <p:nvSpPr>
+          <p:cNvPr id="3" name="Oval 2">
+            <a:extLst>
+              <a:ext uri="{FF2B5EF4-FFF2-40B4-BE49-F238E27FC236}">
+                <a16:creationId xmlns:a16="http://schemas.microsoft.com/office/drawing/2014/main" id="{6278BE5B-77F8-726F-A661-7733C63A94EC}"/>
+              </a:ext>
+            </a:extLst>
+          </p:cNvPr>
+          <p:cNvSpPr/>
+          <p:nvPr/>
+        </p:nvSpPr>
+        <p:spPr>
+          <a:xfrm>
+            <a:off x="4610100" y="1215867"/>
+            <a:ext cx="1476375" cy="1393984"/>
+          </a:xfrm>
+          <a:prstGeom prst="ellipse">
+            <a:avLst/>
+          </a:prstGeom>
+          <a:noFill/>
+          <a:ln>
+            <a:prstDash val="sysDash"/>
+          </a:ln>
+        </p:spPr>
+        <p:style>
+          <a:lnRef idx="2">
+            <a:schemeClr val="accent1">
+              <a:shade val="15000"/>
+            </a:schemeClr>
+          </a:lnRef>
+          <a:fillRef idx="1">
+            <a:schemeClr val="accent1"/>
+          </a:fillRef>
+          <a:effectRef idx="0">
+            <a:schemeClr val="accent1"/>
+          </a:effectRef>
+          <a:fontRef idx="minor">
+            <a:schemeClr val="lt1"/>
+          </a:fontRef>
+        </p:style>
+        <p:txBody>
+          <a:bodyPr rtlCol="0" anchor="ctr"/>
+          <a:lstStyle/>
+          <a:p>
+            <a:pPr algn="ctr"/>
+            <a:endParaRPr lang="en-CA"/>
+          </a:p>
+        </p:txBody>
+      </p:sp>
+      <p:sp>
+        <p:nvSpPr>
+          <p:cNvPr id="4" name="TextBox 3">
+            <a:extLst>
+              <a:ext uri="{FF2B5EF4-FFF2-40B4-BE49-F238E27FC236}">
+                <a16:creationId xmlns:a16="http://schemas.microsoft.com/office/drawing/2014/main" id="{EDB2C9A1-810A-7448-DD4C-A0868FA87A09}"/>
+              </a:ext>
+            </a:extLst>
+          </p:cNvPr>
+          <p:cNvSpPr txBox="1"/>
+          <p:nvPr/>
+        </p:nvSpPr>
+        <p:spPr>
+          <a:xfrm>
+            <a:off x="4625065" y="3495675"/>
+            <a:ext cx="317716" cy="369332"/>
+          </a:xfrm>
+          <a:prstGeom prst="rect">
+            <a:avLst/>
+          </a:prstGeom>
+          <a:noFill/>
+        </p:spPr>
+        <p:txBody>
+          <a:bodyPr wrap="none" rtlCol="0">
+            <a:spAutoFit/>
+          </a:bodyPr>
+          <a:lstStyle/>
+          <a:p>
+            <a:r>
+              <a:rPr lang="en-CA"/>
+              <a:t>A</a:t>
+            </a:r>
+          </a:p>
+        </p:txBody>
+      </p:sp>
+      <p:sp>
+        <p:nvSpPr>
+          <p:cNvPr id="5" name="TextBox 4">
+            <a:extLst>
+              <a:ext uri="{FF2B5EF4-FFF2-40B4-BE49-F238E27FC236}">
+                <a16:creationId xmlns:a16="http://schemas.microsoft.com/office/drawing/2014/main" id="{C9D52204-4E42-CBC2-2211-BE156DC6BD5C}"/>
+              </a:ext>
+            </a:extLst>
+          </p:cNvPr>
+          <p:cNvSpPr txBox="1"/>
+          <p:nvPr/>
+        </p:nvSpPr>
+        <p:spPr>
+          <a:xfrm>
+            <a:off x="5363955" y="1683782"/>
+            <a:ext cx="309700" cy="369332"/>
+          </a:xfrm>
+          <a:prstGeom prst="rect">
+            <a:avLst/>
+          </a:prstGeom>
+          <a:noFill/>
+        </p:spPr>
+        <p:txBody>
+          <a:bodyPr wrap="none" rtlCol="0">
+            <a:spAutoFit/>
+          </a:bodyPr>
+          <a:lstStyle/>
+          <a:p>
+            <a:r>
+              <a:rPr lang="en-CA"/>
+              <a:t>B</a:t>
+            </a:r>
+          </a:p>
+        </p:txBody>
+      </p:sp>
+      <p:cxnSp>
+        <p:nvCxnSpPr>
+          <p:cNvPr id="7" name="Straight Connector 6">
+            <a:extLst>
+              <a:ext uri="{FF2B5EF4-FFF2-40B4-BE49-F238E27FC236}">
+                <a16:creationId xmlns:a16="http://schemas.microsoft.com/office/drawing/2014/main" id="{8141E8F6-DF25-5A4C-03D6-1EEFAF8635DD}"/>
+              </a:ext>
+            </a:extLst>
+          </p:cNvPr>
+          <p:cNvCxnSpPr>
+            <a:cxnSpLocks/>
+          </p:cNvCxnSpPr>
+          <p:nvPr/>
+        </p:nvCxnSpPr>
+        <p:spPr>
+          <a:xfrm flipH="1" flipV="1">
+            <a:off x="4400550" y="2847975"/>
+            <a:ext cx="183356" cy="838200"/>
+          </a:xfrm>
+          <a:prstGeom prst="line">
+            <a:avLst/>
+          </a:prstGeom>
+          <a:ln>
+            <a:solidFill>
+              <a:schemeClr val="tx1"/>
+            </a:solidFill>
+            <a:prstDash val="dash"/>
+          </a:ln>
+        </p:spPr>
+        <p:style>
+          <a:lnRef idx="1">
+            <a:schemeClr val="accent1"/>
+          </a:lnRef>
+          <a:fillRef idx="0">
+            <a:schemeClr val="accent1"/>
+          </a:fillRef>
+          <a:effectRef idx="0">
+            <a:schemeClr val="accent1"/>
+          </a:effectRef>
+          <a:fontRef idx="minor">
+            <a:schemeClr val="tx1"/>
+          </a:fontRef>
+        </p:style>
+      </p:cxnSp>
+      <p:cxnSp>
+        <p:nvCxnSpPr>
+          <p:cNvPr id="10" name="Straight Connector 9">
+            <a:extLst>
+              <a:ext uri="{FF2B5EF4-FFF2-40B4-BE49-F238E27FC236}">
+                <a16:creationId xmlns:a16="http://schemas.microsoft.com/office/drawing/2014/main" id="{580B76FD-676A-C64E-98CD-325384A23FD1}"/>
+              </a:ext>
+            </a:extLst>
+          </p:cNvPr>
+          <p:cNvCxnSpPr>
+            <a:cxnSpLocks/>
+          </p:cNvCxnSpPr>
+          <p:nvPr/>
+        </p:nvCxnSpPr>
+        <p:spPr>
+          <a:xfrm flipH="1" flipV="1">
+            <a:off x="5363955" y="1912383"/>
+            <a:ext cx="154850" cy="676036"/>
+          </a:xfrm>
+          <a:prstGeom prst="line">
+            <a:avLst/>
+          </a:prstGeom>
+          <a:ln>
+            <a:solidFill>
+              <a:schemeClr val="tx1"/>
+            </a:solidFill>
+            <a:prstDash val="dash"/>
+          </a:ln>
+        </p:spPr>
+        <p:style>
+          <a:lnRef idx="1">
+            <a:schemeClr val="accent1"/>
+          </a:lnRef>
+          <a:fillRef idx="0">
+            <a:schemeClr val="accent1"/>
+          </a:fillRef>
+          <a:effectRef idx="0">
+            <a:schemeClr val="accent1"/>
+          </a:effectRef>
+          <a:fontRef idx="minor">
+            <a:schemeClr val="tx1"/>
+          </a:fontRef>
+        </p:style>
+      </p:cxnSp>
+      <p:sp>
+        <p:nvSpPr>
+          <p:cNvPr id="12" name="TextBox 11">
+            <a:extLst>
+              <a:ext uri="{FF2B5EF4-FFF2-40B4-BE49-F238E27FC236}">
+                <a16:creationId xmlns:a16="http://schemas.microsoft.com/office/drawing/2014/main" id="{74356D71-C1EA-8EE9-8AB3-C210CCDD3E19}"/>
+              </a:ext>
+            </a:extLst>
+          </p:cNvPr>
+          <p:cNvSpPr txBox="1"/>
+          <p:nvPr/>
+        </p:nvSpPr>
+        <p:spPr>
+          <a:xfrm>
+            <a:off x="4245700" y="2536031"/>
+            <a:ext cx="352982" cy="369332"/>
+          </a:xfrm>
+          <a:prstGeom prst="rect">
+            <a:avLst/>
+          </a:prstGeom>
+          <a:noFill/>
+        </p:spPr>
+        <p:txBody>
+          <a:bodyPr wrap="none" rtlCol="0">
+            <a:spAutoFit/>
+          </a:bodyPr>
+          <a:lstStyle/>
+          <a:p>
+            <a:r>
+              <a:rPr lang="en-CA"/>
+              <a:t>a’</a:t>
+            </a:r>
+          </a:p>
+        </p:txBody>
+      </p:sp>
+      <p:sp>
+        <p:nvSpPr>
+          <p:cNvPr id="13" name="TextBox 12">
+            <a:extLst>
+              <a:ext uri="{FF2B5EF4-FFF2-40B4-BE49-F238E27FC236}">
+                <a16:creationId xmlns:a16="http://schemas.microsoft.com/office/drawing/2014/main" id="{3DC0C8E4-ECF6-96D1-6A42-F6588F751870}"/>
+              </a:ext>
+            </a:extLst>
+          </p:cNvPr>
+          <p:cNvSpPr txBox="1"/>
+          <p:nvPr/>
+        </p:nvSpPr>
+        <p:spPr>
+          <a:xfrm>
+            <a:off x="5388700" y="2552700"/>
+            <a:ext cx="369012" cy="369332"/>
+          </a:xfrm>
+          <a:prstGeom prst="rect">
+            <a:avLst/>
+          </a:prstGeom>
+          <a:noFill/>
+        </p:spPr>
+        <p:txBody>
+          <a:bodyPr wrap="none" rtlCol="0">
+            <a:spAutoFit/>
+          </a:bodyPr>
+          <a:lstStyle/>
+          <a:p>
+            <a:r>
+              <a:rPr lang="en-CA"/>
+              <a:t>b’</a:t>
+            </a:r>
+          </a:p>
+        </p:txBody>
+      </p:sp>
+      <p:sp>
+        <p:nvSpPr>
+          <p:cNvPr id="14" name="TextBox 13">
+            <a:extLst>
+              <a:ext uri="{FF2B5EF4-FFF2-40B4-BE49-F238E27FC236}">
+                <a16:creationId xmlns:a16="http://schemas.microsoft.com/office/drawing/2014/main" id="{18A8DD1B-BE0B-9FE0-191E-252E988BAE62}"/>
+              </a:ext>
+            </a:extLst>
+          </p:cNvPr>
+          <p:cNvSpPr txBox="1"/>
+          <p:nvPr/>
+        </p:nvSpPr>
+        <p:spPr>
+          <a:xfrm>
+            <a:off x="2578734" y="2922032"/>
+            <a:ext cx="301686" cy="369332"/>
+          </a:xfrm>
+          <a:prstGeom prst="rect">
+            <a:avLst/>
+          </a:prstGeom>
+          <a:noFill/>
+        </p:spPr>
+        <p:txBody>
+          <a:bodyPr wrap="none" rtlCol="0">
+            <a:spAutoFit/>
+          </a:bodyPr>
+          <a:lstStyle/>
+          <a:p>
+            <a:r>
+              <a:rPr lang="en-CA"/>
+              <a:t>2</a:t>
+            </a:r>
+          </a:p>
+        </p:txBody>
+      </p:sp>
+      <p:sp>
+        <p:nvSpPr>
+          <p:cNvPr id="15" name="TextBox 14">
+            <a:extLst>
+              <a:ext uri="{FF2B5EF4-FFF2-40B4-BE49-F238E27FC236}">
+                <a16:creationId xmlns:a16="http://schemas.microsoft.com/office/drawing/2014/main" id="{C8A85126-A56B-7C0F-7010-32B6582D49BA}"/>
+              </a:ext>
+            </a:extLst>
+          </p:cNvPr>
+          <p:cNvSpPr txBox="1"/>
+          <p:nvPr/>
+        </p:nvSpPr>
+        <p:spPr>
+          <a:xfrm>
+            <a:off x="6835718" y="1952031"/>
+            <a:ext cx="301686" cy="369332"/>
+          </a:xfrm>
+          <a:prstGeom prst="rect">
+            <a:avLst/>
+          </a:prstGeom>
+          <a:noFill/>
+        </p:spPr>
+        <p:txBody>
+          <a:bodyPr wrap="none" rtlCol="0">
+            <a:spAutoFit/>
+          </a:bodyPr>
+          <a:lstStyle/>
+          <a:p>
+            <a:r>
+              <a:rPr lang="en-CA"/>
+              <a:t>1</a:t>
+            </a:r>
+          </a:p>
+        </p:txBody>
+      </p:sp>
     </p:spTree>
     <p:extLst>
       <p:ext uri="{BB962C8B-B14F-4D97-AF65-F5344CB8AC3E}">
         <p14:creationId xmlns:p14="http://schemas.microsoft.com/office/powerpoint/2010/main" val="2488263498"/>
+      </p:ext>
+    </p:extLst>
+  </p:cSld>
+  <p:clrMapOvr>
+    <a:masterClrMapping/>
+  </p:clrMapOvr>
+</p:sld>
+</file>
+
+<file path=ppt/slides/slide4.xml><?xml version="1.0" encoding="utf-8"?>
+<p:sld xmlns:a="http://schemas.openxmlformats.org/drawingml/2006/main" xmlns:r="http://schemas.openxmlformats.org/officeDocument/2006/relationships" xmlns:p="http://schemas.openxmlformats.org/presentationml/2006/main">
+  <p:cSld>
+    <p:spTree>
+      <p:nvGrpSpPr>
+        <p:cNvPr id="1" name=""/>
+        <p:cNvGrpSpPr/>
+        <p:nvPr/>
+      </p:nvGrpSpPr>
+      <p:grpSpPr>
+        <a:xfrm>
+          <a:off x="0" y="0"/>
+          <a:ext cx="0" cy="0"/>
+          <a:chOff x="0" y="0"/>
+          <a:chExt cx="0" cy="0"/>
+        </a:xfrm>
+      </p:grpSpPr>
+      <p:pic>
+        <p:nvPicPr>
+          <p:cNvPr id="2" name="Picture 1">
+            <a:extLst>
+              <a:ext uri="{FF2B5EF4-FFF2-40B4-BE49-F238E27FC236}">
+                <a16:creationId xmlns:a16="http://schemas.microsoft.com/office/drawing/2014/main" id="{3155889E-E911-5AA5-5C93-18241C9846F8}"/>
+              </a:ext>
+            </a:extLst>
+          </p:cNvPr>
+          <p:cNvPicPr>
+            <a:picLocks noChangeAspect="1"/>
+          </p:cNvPicPr>
+          <p:nvPr/>
+        </p:nvPicPr>
+        <p:blipFill>
+          <a:blip r:embed="rId2"/>
+          <a:srcRect l="59483" t="41769" r="5958" b="10463"/>
+          <a:stretch/>
+        </p:blipFill>
+        <p:spPr>
+          <a:xfrm>
+            <a:off x="1830373" y="809625"/>
+            <a:ext cx="6578405" cy="4972050"/>
+          </a:xfrm>
+          <a:prstGeom prst="rect">
+            <a:avLst/>
+          </a:prstGeom>
+        </p:spPr>
+      </p:pic>
+      <p:sp>
+        <p:nvSpPr>
+          <p:cNvPr id="3" name="TextBox 2">
+            <a:extLst>
+              <a:ext uri="{FF2B5EF4-FFF2-40B4-BE49-F238E27FC236}">
+                <a16:creationId xmlns:a16="http://schemas.microsoft.com/office/drawing/2014/main" id="{1FA27E70-A3CE-3025-D025-18B656A9DD44}"/>
+              </a:ext>
+            </a:extLst>
+          </p:cNvPr>
+          <p:cNvSpPr txBox="1"/>
+          <p:nvPr/>
+        </p:nvSpPr>
+        <p:spPr>
+          <a:xfrm>
+            <a:off x="4710790" y="3429000"/>
+            <a:ext cx="317716" cy="369332"/>
+          </a:xfrm>
+          <a:prstGeom prst="rect">
+            <a:avLst/>
+          </a:prstGeom>
+          <a:noFill/>
+        </p:spPr>
+        <p:txBody>
+          <a:bodyPr wrap="none" rtlCol="0">
+            <a:spAutoFit/>
+          </a:bodyPr>
+          <a:lstStyle/>
+          <a:p>
+            <a:r>
+              <a:rPr lang="en-CA"/>
+              <a:t>A</a:t>
+            </a:r>
+          </a:p>
+        </p:txBody>
+      </p:sp>
+      <p:sp>
+        <p:nvSpPr>
+          <p:cNvPr id="4" name="TextBox 3">
+            <a:extLst>
+              <a:ext uri="{FF2B5EF4-FFF2-40B4-BE49-F238E27FC236}">
+                <a16:creationId xmlns:a16="http://schemas.microsoft.com/office/drawing/2014/main" id="{09554DEA-4E33-79A2-5B1F-FE7CE4DD4EC1}"/>
+              </a:ext>
+            </a:extLst>
+          </p:cNvPr>
+          <p:cNvSpPr txBox="1"/>
+          <p:nvPr/>
+        </p:nvSpPr>
+        <p:spPr>
+          <a:xfrm>
+            <a:off x="7411830" y="3106698"/>
+            <a:ext cx="309700" cy="369332"/>
+          </a:xfrm>
+          <a:prstGeom prst="rect">
+            <a:avLst/>
+          </a:prstGeom>
+          <a:noFill/>
+        </p:spPr>
+        <p:txBody>
+          <a:bodyPr wrap="none" rtlCol="0">
+            <a:spAutoFit/>
+          </a:bodyPr>
+          <a:lstStyle/>
+          <a:p>
+            <a:r>
+              <a:rPr lang="en-CA"/>
+              <a:t>B</a:t>
+            </a:r>
+          </a:p>
+        </p:txBody>
+      </p:sp>
+      <p:sp>
+        <p:nvSpPr>
+          <p:cNvPr id="9" name="TextBox 8">
+            <a:extLst>
+              <a:ext uri="{FF2B5EF4-FFF2-40B4-BE49-F238E27FC236}">
+                <a16:creationId xmlns:a16="http://schemas.microsoft.com/office/drawing/2014/main" id="{32FFD8BB-821F-E127-C819-E81E0638D1A0}"/>
+              </a:ext>
+            </a:extLst>
+          </p:cNvPr>
+          <p:cNvSpPr txBox="1"/>
+          <p:nvPr/>
+        </p:nvSpPr>
+        <p:spPr>
+          <a:xfrm>
+            <a:off x="6396608" y="2256116"/>
+            <a:ext cx="327334" cy="369332"/>
+          </a:xfrm>
+          <a:prstGeom prst="rect">
+            <a:avLst/>
+          </a:prstGeom>
+          <a:noFill/>
+        </p:spPr>
+        <p:txBody>
+          <a:bodyPr wrap="none" rtlCol="0">
+            <a:spAutoFit/>
+          </a:bodyPr>
+          <a:lstStyle/>
+          <a:p>
+            <a:r>
+              <a:rPr lang="en-CA"/>
+              <a:t>D</a:t>
+            </a:r>
+          </a:p>
+        </p:txBody>
+      </p:sp>
+      <p:sp>
+        <p:nvSpPr>
+          <p:cNvPr id="10" name="TextBox 9">
+            <a:extLst>
+              <a:ext uri="{FF2B5EF4-FFF2-40B4-BE49-F238E27FC236}">
+                <a16:creationId xmlns:a16="http://schemas.microsoft.com/office/drawing/2014/main" id="{585F09BF-972C-BB2E-E899-0436935339DA}"/>
+              </a:ext>
+            </a:extLst>
+          </p:cNvPr>
+          <p:cNvSpPr txBox="1"/>
+          <p:nvPr/>
+        </p:nvSpPr>
+        <p:spPr>
+          <a:xfrm>
+            <a:off x="5802077" y="3878819"/>
+            <a:ext cx="308098" cy="369332"/>
+          </a:xfrm>
+          <a:prstGeom prst="rect">
+            <a:avLst/>
+          </a:prstGeom>
+          <a:noFill/>
+        </p:spPr>
+        <p:txBody>
+          <a:bodyPr wrap="none" rtlCol="0">
+            <a:spAutoFit/>
+          </a:bodyPr>
+          <a:lstStyle/>
+          <a:p>
+            <a:r>
+              <a:rPr lang="en-CA"/>
+              <a:t>C</a:t>
+            </a:r>
+          </a:p>
+        </p:txBody>
+      </p:sp>
+      <p:cxnSp>
+        <p:nvCxnSpPr>
+          <p:cNvPr id="11" name="Straight Connector 10">
+            <a:extLst>
+              <a:ext uri="{FF2B5EF4-FFF2-40B4-BE49-F238E27FC236}">
+                <a16:creationId xmlns:a16="http://schemas.microsoft.com/office/drawing/2014/main" id="{6C667971-110C-9C4B-A32C-12F14B6D5969}"/>
+              </a:ext>
+            </a:extLst>
+          </p:cNvPr>
+          <p:cNvCxnSpPr>
+            <a:cxnSpLocks/>
+          </p:cNvCxnSpPr>
+          <p:nvPr/>
+        </p:nvCxnSpPr>
+        <p:spPr>
+          <a:xfrm flipV="1">
+            <a:off x="4891088" y="2536031"/>
+            <a:ext cx="1595437" cy="859632"/>
+          </a:xfrm>
+          <a:prstGeom prst="line">
+            <a:avLst/>
+          </a:prstGeom>
+          <a:ln>
+            <a:solidFill>
+              <a:schemeClr val="tx1"/>
+            </a:solidFill>
+            <a:prstDash val="dash"/>
+          </a:ln>
+        </p:spPr>
+        <p:style>
+          <a:lnRef idx="1">
+            <a:schemeClr val="accent1"/>
+          </a:lnRef>
+          <a:fillRef idx="0">
+            <a:schemeClr val="accent1"/>
+          </a:fillRef>
+          <a:effectRef idx="0">
+            <a:schemeClr val="accent1"/>
+          </a:effectRef>
+          <a:fontRef idx="minor">
+            <a:schemeClr val="tx1"/>
+          </a:fontRef>
+        </p:style>
+      </p:cxnSp>
+      <p:cxnSp>
+        <p:nvCxnSpPr>
+          <p:cNvPr id="14" name="Straight Connector 13">
+            <a:extLst>
+              <a:ext uri="{FF2B5EF4-FFF2-40B4-BE49-F238E27FC236}">
+                <a16:creationId xmlns:a16="http://schemas.microsoft.com/office/drawing/2014/main" id="{84950919-187D-351E-B84A-43756ADE9035}"/>
+              </a:ext>
+            </a:extLst>
+          </p:cNvPr>
+          <p:cNvCxnSpPr>
+            <a:cxnSpLocks/>
+          </p:cNvCxnSpPr>
+          <p:nvPr/>
+        </p:nvCxnSpPr>
+        <p:spPr>
+          <a:xfrm>
+            <a:off x="4891088" y="3395663"/>
+            <a:ext cx="1004887" cy="585787"/>
+          </a:xfrm>
+          <a:prstGeom prst="line">
+            <a:avLst/>
+          </a:prstGeom>
+          <a:ln>
+            <a:solidFill>
+              <a:schemeClr val="tx1"/>
+            </a:solidFill>
+            <a:prstDash val="dash"/>
+          </a:ln>
+        </p:spPr>
+        <p:style>
+          <a:lnRef idx="1">
+            <a:schemeClr val="accent1"/>
+          </a:lnRef>
+          <a:fillRef idx="0">
+            <a:schemeClr val="accent1"/>
+          </a:fillRef>
+          <a:effectRef idx="0">
+            <a:schemeClr val="accent1"/>
+          </a:effectRef>
+          <a:fontRef idx="minor">
+            <a:schemeClr val="tx1"/>
+          </a:fontRef>
+        </p:style>
+      </p:cxnSp>
+      <p:cxnSp>
+        <p:nvCxnSpPr>
+          <p:cNvPr id="17" name="Straight Connector 16">
+            <a:extLst>
+              <a:ext uri="{FF2B5EF4-FFF2-40B4-BE49-F238E27FC236}">
+                <a16:creationId xmlns:a16="http://schemas.microsoft.com/office/drawing/2014/main" id="{8A37A88C-FB58-9482-362F-71E0CAC99F86}"/>
+              </a:ext>
+            </a:extLst>
+          </p:cNvPr>
+          <p:cNvCxnSpPr>
+            <a:cxnSpLocks/>
+          </p:cNvCxnSpPr>
+          <p:nvPr/>
+        </p:nvCxnSpPr>
+        <p:spPr>
+          <a:xfrm>
+            <a:off x="6486525" y="2536031"/>
+            <a:ext cx="1080155" cy="570667"/>
+          </a:xfrm>
+          <a:prstGeom prst="line">
+            <a:avLst/>
+          </a:prstGeom>
+          <a:ln>
+            <a:solidFill>
+              <a:schemeClr val="tx1"/>
+            </a:solidFill>
+            <a:prstDash val="dash"/>
+          </a:ln>
+        </p:spPr>
+        <p:style>
+          <a:lnRef idx="1">
+            <a:schemeClr val="accent1"/>
+          </a:lnRef>
+          <a:fillRef idx="0">
+            <a:schemeClr val="accent1"/>
+          </a:fillRef>
+          <a:effectRef idx="0">
+            <a:schemeClr val="accent1"/>
+          </a:effectRef>
+          <a:fontRef idx="minor">
+            <a:schemeClr val="tx1"/>
+          </a:fontRef>
+        </p:style>
+      </p:cxnSp>
+      <p:cxnSp>
+        <p:nvCxnSpPr>
+          <p:cNvPr id="18" name="Straight Connector 17">
+            <a:extLst>
+              <a:ext uri="{FF2B5EF4-FFF2-40B4-BE49-F238E27FC236}">
+                <a16:creationId xmlns:a16="http://schemas.microsoft.com/office/drawing/2014/main" id="{417B471E-E964-8955-AF64-582C27518C32}"/>
+              </a:ext>
+            </a:extLst>
+          </p:cNvPr>
+          <p:cNvCxnSpPr>
+            <a:cxnSpLocks/>
+            <a:endCxn id="4" idx="0"/>
+          </p:cNvCxnSpPr>
+          <p:nvPr/>
+        </p:nvCxnSpPr>
+        <p:spPr>
+          <a:xfrm flipV="1">
+            <a:off x="5895975" y="3106698"/>
+            <a:ext cx="1670705" cy="874752"/>
+          </a:xfrm>
+          <a:prstGeom prst="line">
+            <a:avLst/>
+          </a:prstGeom>
+          <a:ln>
+            <a:solidFill>
+              <a:schemeClr val="tx1"/>
+            </a:solidFill>
+            <a:prstDash val="dash"/>
+          </a:ln>
+        </p:spPr>
+        <p:style>
+          <a:lnRef idx="1">
+            <a:schemeClr val="accent1"/>
+          </a:lnRef>
+          <a:fillRef idx="0">
+            <a:schemeClr val="accent1"/>
+          </a:fillRef>
+          <a:effectRef idx="0">
+            <a:schemeClr val="accent1"/>
+          </a:effectRef>
+          <a:fontRef idx="minor">
+            <a:schemeClr val="tx1"/>
+          </a:fontRef>
+        </p:style>
+      </p:cxnSp>
+      <p:cxnSp>
+        <p:nvCxnSpPr>
+          <p:cNvPr id="26" name="Straight Connector 25">
+            <a:extLst>
+              <a:ext uri="{FF2B5EF4-FFF2-40B4-BE49-F238E27FC236}">
+                <a16:creationId xmlns:a16="http://schemas.microsoft.com/office/drawing/2014/main" id="{30D9A217-B77E-FA62-9912-323C3E3D64B1}"/>
+              </a:ext>
+            </a:extLst>
+          </p:cNvPr>
+          <p:cNvCxnSpPr>
+            <a:cxnSpLocks/>
+          </p:cNvCxnSpPr>
+          <p:nvPr/>
+        </p:nvCxnSpPr>
+        <p:spPr>
+          <a:xfrm>
+            <a:off x="6486525" y="2536031"/>
+            <a:ext cx="33338" cy="685800"/>
+          </a:xfrm>
+          <a:prstGeom prst="line">
+            <a:avLst/>
+          </a:prstGeom>
+          <a:ln>
+            <a:solidFill>
+              <a:schemeClr val="tx1"/>
+            </a:solidFill>
+            <a:prstDash val="dash"/>
+          </a:ln>
+        </p:spPr>
+        <p:style>
+          <a:lnRef idx="1">
+            <a:schemeClr val="accent1"/>
+          </a:lnRef>
+          <a:fillRef idx="0">
+            <a:schemeClr val="accent1"/>
+          </a:fillRef>
+          <a:effectRef idx="0">
+            <a:schemeClr val="accent1"/>
+          </a:effectRef>
+          <a:fontRef idx="minor">
+            <a:schemeClr val="tx1"/>
+          </a:fontRef>
+        </p:style>
+      </p:cxnSp>
+      <p:cxnSp>
+        <p:nvCxnSpPr>
+          <p:cNvPr id="29" name="Straight Connector 28">
+            <a:extLst>
+              <a:ext uri="{FF2B5EF4-FFF2-40B4-BE49-F238E27FC236}">
+                <a16:creationId xmlns:a16="http://schemas.microsoft.com/office/drawing/2014/main" id="{AC77326C-5298-B050-1E16-090C7EAAB486}"/>
+              </a:ext>
+            </a:extLst>
+          </p:cNvPr>
+          <p:cNvCxnSpPr>
+            <a:cxnSpLocks/>
+          </p:cNvCxnSpPr>
+          <p:nvPr/>
+        </p:nvCxnSpPr>
+        <p:spPr>
+          <a:xfrm>
+            <a:off x="5847189" y="3291364"/>
+            <a:ext cx="48786" cy="685800"/>
+          </a:xfrm>
+          <a:prstGeom prst="line">
+            <a:avLst/>
+          </a:prstGeom>
+          <a:ln>
+            <a:solidFill>
+              <a:schemeClr val="tx1"/>
+            </a:solidFill>
+            <a:prstDash val="dash"/>
+          </a:ln>
+        </p:spPr>
+        <p:style>
+          <a:lnRef idx="1">
+            <a:schemeClr val="accent1"/>
+          </a:lnRef>
+          <a:fillRef idx="0">
+            <a:schemeClr val="accent1"/>
+          </a:fillRef>
+          <a:effectRef idx="0">
+            <a:schemeClr val="accent1"/>
+          </a:effectRef>
+          <a:fontRef idx="minor">
+            <a:schemeClr val="tx1"/>
+          </a:fontRef>
+        </p:style>
+      </p:cxnSp>
+      <p:sp>
+        <p:nvSpPr>
+          <p:cNvPr id="31" name="TextBox 30">
+            <a:extLst>
+              <a:ext uri="{FF2B5EF4-FFF2-40B4-BE49-F238E27FC236}">
+                <a16:creationId xmlns:a16="http://schemas.microsoft.com/office/drawing/2014/main" id="{E8F76763-1B79-D183-7BC1-993F1E576B1D}"/>
+              </a:ext>
+            </a:extLst>
+          </p:cNvPr>
+          <p:cNvSpPr txBox="1"/>
+          <p:nvPr/>
+        </p:nvSpPr>
+        <p:spPr>
+          <a:xfrm>
+            <a:off x="5696729" y="3013830"/>
+            <a:ext cx="340158" cy="369332"/>
+          </a:xfrm>
+          <a:prstGeom prst="rect">
+            <a:avLst/>
+          </a:prstGeom>
+          <a:noFill/>
+        </p:spPr>
+        <p:txBody>
+          <a:bodyPr wrap="none" rtlCol="0">
+            <a:spAutoFit/>
+          </a:bodyPr>
+          <a:lstStyle/>
+          <a:p>
+            <a:r>
+              <a:rPr lang="en-CA"/>
+              <a:t>c’</a:t>
+            </a:r>
+          </a:p>
+        </p:txBody>
+      </p:sp>
+      <p:sp>
+        <p:nvSpPr>
+          <p:cNvPr id="32" name="TextBox 31">
+            <a:extLst>
+              <a:ext uri="{FF2B5EF4-FFF2-40B4-BE49-F238E27FC236}">
+                <a16:creationId xmlns:a16="http://schemas.microsoft.com/office/drawing/2014/main" id="{E94E3F30-EFB8-B65B-C1D2-437182478635}"/>
+              </a:ext>
+            </a:extLst>
+          </p:cNvPr>
+          <p:cNvSpPr txBox="1"/>
+          <p:nvPr/>
+        </p:nvSpPr>
+        <p:spPr>
+          <a:xfrm>
+            <a:off x="6354198" y="3156228"/>
+            <a:ext cx="364202" cy="369332"/>
+          </a:xfrm>
+          <a:prstGeom prst="rect">
+            <a:avLst/>
+          </a:prstGeom>
+          <a:noFill/>
+        </p:spPr>
+        <p:txBody>
+          <a:bodyPr wrap="none" rtlCol="0">
+            <a:spAutoFit/>
+          </a:bodyPr>
+          <a:lstStyle/>
+          <a:p>
+            <a:r>
+              <a:rPr lang="en-CA"/>
+              <a:t>d’</a:t>
+            </a:r>
+          </a:p>
+        </p:txBody>
+      </p:sp>
+    </p:spTree>
+    <p:extLst>
+      <p:ext uri="{BB962C8B-B14F-4D97-AF65-F5344CB8AC3E}">
+        <p14:creationId xmlns:p14="http://schemas.microsoft.com/office/powerpoint/2010/main" val="2956958935"/>
       </p:ext>
     </p:extLst>
   </p:cSld>
